--- a/Semana6/Procedimientos y macros.pptx
+++ b/Semana6/Procedimientos y macros.pptx
@@ -294,7 +294,7 @@
             <a:fld id="{FBA891D1-6E58-4AA4-B2A0-3975BB19EC77}" type="datetimeFigureOut">
               <a:rPr lang="es-MX" smtClean="0"/>
               <a:pPr/>
-              <a:t>17/05/2012</a:t>
+              <a:t>21/02/2013</a:t>
             </a:fld>
             <a:endParaRPr lang="es-MX"/>
           </a:p>
@@ -346,7 +346,7 @@
     </p:spTree>
     <p:extLst>
       <p:ext uri="{BB962C8B-B14F-4D97-AF65-F5344CB8AC3E}">
-        <p14:creationId xmlns:p14="http://schemas.microsoft.com/office/powerpoint/2010/main" xmlns="" val="1713778279"/>
+        <p14:creationId xmlns:p14="http://schemas.microsoft.com/office/powerpoint/2010/main" val="1713778279"/>
       </p:ext>
     </p:extLst>
   </p:cSld>
@@ -466,7 +466,7 @@
             <a:fld id="{FBA891D1-6E58-4AA4-B2A0-3975BB19EC77}" type="datetimeFigureOut">
               <a:rPr lang="es-MX" smtClean="0"/>
               <a:pPr/>
-              <a:t>17/05/2012</a:t>
+              <a:t>21/02/2013</a:t>
             </a:fld>
             <a:endParaRPr lang="es-MX"/>
           </a:p>
@@ -518,7 +518,7 @@
     </p:spTree>
     <p:extLst>
       <p:ext uri="{BB962C8B-B14F-4D97-AF65-F5344CB8AC3E}">
-        <p14:creationId xmlns:p14="http://schemas.microsoft.com/office/powerpoint/2010/main" xmlns="" val="4217105178"/>
+        <p14:creationId xmlns:p14="http://schemas.microsoft.com/office/powerpoint/2010/main" val="4217105178"/>
       </p:ext>
     </p:extLst>
   </p:cSld>
@@ -648,7 +648,7 @@
             <a:fld id="{FBA891D1-6E58-4AA4-B2A0-3975BB19EC77}" type="datetimeFigureOut">
               <a:rPr lang="es-MX" smtClean="0"/>
               <a:pPr/>
-              <a:t>17/05/2012</a:t>
+              <a:t>21/02/2013</a:t>
             </a:fld>
             <a:endParaRPr lang="es-MX"/>
           </a:p>
@@ -700,7 +700,7 @@
     </p:spTree>
     <p:extLst>
       <p:ext uri="{BB962C8B-B14F-4D97-AF65-F5344CB8AC3E}">
-        <p14:creationId xmlns:p14="http://schemas.microsoft.com/office/powerpoint/2010/main" xmlns="" val="3444794744"/>
+        <p14:creationId xmlns:p14="http://schemas.microsoft.com/office/powerpoint/2010/main" val="3444794744"/>
       </p:ext>
     </p:extLst>
   </p:cSld>
@@ -820,7 +820,7 @@
             <a:fld id="{FBA891D1-6E58-4AA4-B2A0-3975BB19EC77}" type="datetimeFigureOut">
               <a:rPr lang="es-MX" smtClean="0"/>
               <a:pPr/>
-              <a:t>17/05/2012</a:t>
+              <a:t>21/02/2013</a:t>
             </a:fld>
             <a:endParaRPr lang="es-MX"/>
           </a:p>
@@ -872,7 +872,7 @@
     </p:spTree>
     <p:extLst>
       <p:ext uri="{BB962C8B-B14F-4D97-AF65-F5344CB8AC3E}">
-        <p14:creationId xmlns:p14="http://schemas.microsoft.com/office/powerpoint/2010/main" xmlns="" val="1851878476"/>
+        <p14:creationId xmlns:p14="http://schemas.microsoft.com/office/powerpoint/2010/main" val="1851878476"/>
       </p:ext>
     </p:extLst>
   </p:cSld>
@@ -1068,7 +1068,7 @@
             <a:fld id="{FBA891D1-6E58-4AA4-B2A0-3975BB19EC77}" type="datetimeFigureOut">
               <a:rPr lang="es-MX" smtClean="0"/>
               <a:pPr/>
-              <a:t>17/05/2012</a:t>
+              <a:t>21/02/2013</a:t>
             </a:fld>
             <a:endParaRPr lang="es-MX"/>
           </a:p>
@@ -1120,7 +1120,7 @@
     </p:spTree>
     <p:extLst>
       <p:ext uri="{BB962C8B-B14F-4D97-AF65-F5344CB8AC3E}">
-        <p14:creationId xmlns:p14="http://schemas.microsoft.com/office/powerpoint/2010/main" xmlns="" val="2743016448"/>
+        <p14:creationId xmlns:p14="http://schemas.microsoft.com/office/powerpoint/2010/main" val="2743016448"/>
       </p:ext>
     </p:extLst>
   </p:cSld>
@@ -1358,7 +1358,7 @@
             <a:fld id="{FBA891D1-6E58-4AA4-B2A0-3975BB19EC77}" type="datetimeFigureOut">
               <a:rPr lang="es-MX" smtClean="0"/>
               <a:pPr/>
-              <a:t>17/05/2012</a:t>
+              <a:t>21/02/2013</a:t>
             </a:fld>
             <a:endParaRPr lang="es-MX"/>
           </a:p>
@@ -1410,7 +1410,7 @@
     </p:spTree>
     <p:extLst>
       <p:ext uri="{BB962C8B-B14F-4D97-AF65-F5344CB8AC3E}">
-        <p14:creationId xmlns:p14="http://schemas.microsoft.com/office/powerpoint/2010/main" xmlns="" val="516098518"/>
+        <p14:creationId xmlns:p14="http://schemas.microsoft.com/office/powerpoint/2010/main" val="516098518"/>
       </p:ext>
     </p:extLst>
   </p:cSld>
@@ -1782,7 +1782,7 @@
             <a:fld id="{FBA891D1-6E58-4AA4-B2A0-3975BB19EC77}" type="datetimeFigureOut">
               <a:rPr lang="es-MX" smtClean="0"/>
               <a:pPr/>
-              <a:t>17/05/2012</a:t>
+              <a:t>21/02/2013</a:t>
             </a:fld>
             <a:endParaRPr lang="es-MX"/>
           </a:p>
@@ -1834,7 +1834,7 @@
     </p:spTree>
     <p:extLst>
       <p:ext uri="{BB962C8B-B14F-4D97-AF65-F5344CB8AC3E}">
-        <p14:creationId xmlns:p14="http://schemas.microsoft.com/office/powerpoint/2010/main" xmlns="" val="543898054"/>
+        <p14:creationId xmlns:p14="http://schemas.microsoft.com/office/powerpoint/2010/main" val="543898054"/>
       </p:ext>
     </p:extLst>
   </p:cSld>
@@ -1902,7 +1902,7 @@
             <a:fld id="{FBA891D1-6E58-4AA4-B2A0-3975BB19EC77}" type="datetimeFigureOut">
               <a:rPr lang="es-MX" smtClean="0"/>
               <a:pPr/>
-              <a:t>17/05/2012</a:t>
+              <a:t>21/02/2013</a:t>
             </a:fld>
             <a:endParaRPr lang="es-MX"/>
           </a:p>
@@ -1954,7 +1954,7 @@
     </p:spTree>
     <p:extLst>
       <p:ext uri="{BB962C8B-B14F-4D97-AF65-F5344CB8AC3E}">
-        <p14:creationId xmlns:p14="http://schemas.microsoft.com/office/powerpoint/2010/main" xmlns="" val="1237379273"/>
+        <p14:creationId xmlns:p14="http://schemas.microsoft.com/office/powerpoint/2010/main" val="1237379273"/>
       </p:ext>
     </p:extLst>
   </p:cSld>
@@ -1999,7 +1999,7 @@
             <a:fld id="{FBA891D1-6E58-4AA4-B2A0-3975BB19EC77}" type="datetimeFigureOut">
               <a:rPr lang="es-MX" smtClean="0"/>
               <a:pPr/>
-              <a:t>17/05/2012</a:t>
+              <a:t>21/02/2013</a:t>
             </a:fld>
             <a:endParaRPr lang="es-MX"/>
           </a:p>
@@ -2051,7 +2051,7 @@
     </p:spTree>
     <p:extLst>
       <p:ext uri="{BB962C8B-B14F-4D97-AF65-F5344CB8AC3E}">
-        <p14:creationId xmlns:p14="http://schemas.microsoft.com/office/powerpoint/2010/main" xmlns="" val="2811371573"/>
+        <p14:creationId xmlns:p14="http://schemas.microsoft.com/office/powerpoint/2010/main" val="2811371573"/>
       </p:ext>
     </p:extLst>
   </p:cSld>
@@ -2278,7 +2278,7 @@
             <a:fld id="{FBA891D1-6E58-4AA4-B2A0-3975BB19EC77}" type="datetimeFigureOut">
               <a:rPr lang="es-MX" smtClean="0"/>
               <a:pPr/>
-              <a:t>17/05/2012</a:t>
+              <a:t>21/02/2013</a:t>
             </a:fld>
             <a:endParaRPr lang="es-MX"/>
           </a:p>
@@ -2330,7 +2330,7 @@
     </p:spTree>
     <p:extLst>
       <p:ext uri="{BB962C8B-B14F-4D97-AF65-F5344CB8AC3E}">
-        <p14:creationId xmlns:p14="http://schemas.microsoft.com/office/powerpoint/2010/main" xmlns="" val="3279908896"/>
+        <p14:creationId xmlns:p14="http://schemas.microsoft.com/office/powerpoint/2010/main" val="3279908896"/>
       </p:ext>
     </p:extLst>
   </p:cSld>
@@ -2533,7 +2533,7 @@
             <a:fld id="{FBA891D1-6E58-4AA4-B2A0-3975BB19EC77}" type="datetimeFigureOut">
               <a:rPr lang="es-MX" smtClean="0"/>
               <a:pPr/>
-              <a:t>17/05/2012</a:t>
+              <a:t>21/02/2013</a:t>
             </a:fld>
             <a:endParaRPr lang="es-MX"/>
           </a:p>
@@ -2585,7 +2585,7 @@
     </p:spTree>
     <p:extLst>
       <p:ext uri="{BB962C8B-B14F-4D97-AF65-F5344CB8AC3E}">
-        <p14:creationId xmlns:p14="http://schemas.microsoft.com/office/powerpoint/2010/main" xmlns="" val="2423902409"/>
+        <p14:creationId xmlns:p14="http://schemas.microsoft.com/office/powerpoint/2010/main" val="2423902409"/>
       </p:ext>
     </p:extLst>
   </p:cSld>
@@ -2748,7 +2748,7 @@
             <a:fld id="{FBA891D1-6E58-4AA4-B2A0-3975BB19EC77}" type="datetimeFigureOut">
               <a:rPr lang="es-MX" smtClean="0"/>
               <a:pPr/>
-              <a:t>17/05/2012</a:t>
+              <a:t>21/02/2013</a:t>
             </a:fld>
             <a:endParaRPr lang="es-MX"/>
           </a:p>
@@ -2836,7 +2836,7 @@
     </p:spTree>
     <p:extLst>
       <p:ext uri="{BB962C8B-B14F-4D97-AF65-F5344CB8AC3E}">
-        <p14:creationId xmlns:p14="http://schemas.microsoft.com/office/powerpoint/2010/main" xmlns="" val="3912436721"/>
+        <p14:creationId xmlns:p14="http://schemas.microsoft.com/office/powerpoint/2010/main" val="3912436721"/>
       </p:ext>
     </p:extLst>
   </p:cSld>
@@ -3163,8 +3163,8 @@
           <a:lstStyle/>
           <a:p>
             <a:r>
-              <a:rPr lang="es-MX" dirty="0" smtClean="0"/>
-              <a:t>Mayo 2012</a:t>
+              <a:rPr lang="es-MX" smtClean="0"/>
+              <a:t>Abril 2013</a:t>
             </a:r>
             <a:endParaRPr lang="es-MX" dirty="0"/>
           </a:p>
@@ -3173,7 +3173,7 @@
     </p:spTree>
     <p:extLst>
       <p:ext uri="{BB962C8B-B14F-4D97-AF65-F5344CB8AC3E}">
-        <p14:creationId xmlns:p14="http://schemas.microsoft.com/office/powerpoint/2010/main" xmlns="" val="802224016"/>
+        <p14:creationId xmlns:p14="http://schemas.microsoft.com/office/powerpoint/2010/main" val="802224016"/>
       </p:ext>
     </p:extLst>
   </p:cSld>
@@ -3296,7 +3296,7 @@
     </p:spTree>
     <p:extLst>
       <p:ext uri="{BB962C8B-B14F-4D97-AF65-F5344CB8AC3E}">
-        <p14:creationId xmlns:p14="http://schemas.microsoft.com/office/powerpoint/2010/main" xmlns="" val="1831773557"/>
+        <p14:creationId xmlns:p14="http://schemas.microsoft.com/office/powerpoint/2010/main" val="1831773557"/>
       </p:ext>
     </p:extLst>
   </p:cSld>
@@ -3424,7 +3424,7 @@
     </p:spTree>
     <p:extLst>
       <p:ext uri="{BB962C8B-B14F-4D97-AF65-F5344CB8AC3E}">
-        <p14:creationId xmlns:p14="http://schemas.microsoft.com/office/powerpoint/2010/main" xmlns="" val="1215004192"/>
+        <p14:creationId xmlns:p14="http://schemas.microsoft.com/office/powerpoint/2010/main" val="1215004192"/>
       </p:ext>
     </p:extLst>
   </p:cSld>
@@ -3550,7 +3550,7 @@
     </p:spTree>
     <p:extLst>
       <p:ext uri="{BB962C8B-B14F-4D97-AF65-F5344CB8AC3E}">
-        <p14:creationId xmlns:p14="http://schemas.microsoft.com/office/powerpoint/2010/main" xmlns="" val="4206072946"/>
+        <p14:creationId xmlns:p14="http://schemas.microsoft.com/office/powerpoint/2010/main" val="4206072946"/>
       </p:ext>
     </p:extLst>
   </p:cSld>
@@ -3782,7 +3782,7 @@
     </p:spTree>
     <p:extLst>
       <p:ext uri="{BB962C8B-B14F-4D97-AF65-F5344CB8AC3E}">
-        <p14:creationId xmlns:p14="http://schemas.microsoft.com/office/powerpoint/2010/main" xmlns="" val="865915019"/>
+        <p14:creationId xmlns:p14="http://schemas.microsoft.com/office/powerpoint/2010/main" val="865915019"/>
       </p:ext>
     </p:extLst>
   </p:cSld>
